--- a/tutorial16/tutorial16.pptx
+++ b/tutorial16/tutorial16.pptx
@@ -7,30 +7,31 @@
   <p:sldIdLst>
     <p:sldId id="256" r:id="rId2"/>
     <p:sldId id="257" r:id="rId3"/>
+    <p:sldId id="258" r:id="rId4"/>
   </p:sldIdLst>
   <p:sldSz cx="18288000" cy="10287000"/>
   <p:notesSz cx="6858000" cy="9144000"/>
   <p:embeddedFontLst>
     <p:embeddedFont>
       <p:font typeface="Calibri" panose="020F0502020204030204" pitchFamily="34" charset="0"/>
-      <p:regular r:id="rId4"/>
-      <p:bold r:id="rId5"/>
-      <p:italic r:id="rId6"/>
-      <p:boldItalic r:id="rId7"/>
+      <p:regular r:id="rId5"/>
+      <p:bold r:id="rId6"/>
+      <p:italic r:id="rId7"/>
+      <p:boldItalic r:id="rId8"/>
     </p:embeddedFont>
     <p:embeddedFont>
       <p:font typeface="Open Sans Bold" panose="020B0806030504020204" pitchFamily="34" charset="0"/>
-      <p:regular r:id="rId8"/>
-      <p:bold r:id="rId9"/>
+      <p:regular r:id="rId9"/>
+      <p:bold r:id="rId10"/>
     </p:embeddedFont>
     <p:embeddedFont>
       <p:font typeface="Rubik Bold" pitchFamily="2" charset="-79"/>
-      <p:regular r:id="rId10"/>
-      <p:bold r:id="rId11"/>
+      <p:regular r:id="rId11"/>
+      <p:bold r:id="rId12"/>
     </p:embeddedFont>
     <p:embeddedFont>
       <p:font typeface="Rubik Semi-Bold" pitchFamily="2" charset="-79"/>
-      <p:regular r:id="rId12"/>
+      <p:regular r:id="rId13"/>
     </p:embeddedFont>
   </p:embeddedFontLst>
   <p:defaultTextStyle>
@@ -3428,7 +3429,7 @@
         </p:nvSpPr>
         <p:spPr>
           <a:xfrm>
-            <a:off x="8646589" y="5550584"/>
+            <a:off x="8335539" y="5597092"/>
             <a:ext cx="8101821" cy="1401604"/>
           </a:xfrm>
           <a:prstGeom prst="rect">
@@ -3450,7 +3451,7 @@
               </a:spcBef>
             </a:pPr>
             <a:r>
-              <a:rPr lang="en-US" sz="4068">
+              <a:rPr lang="en-US" sz="4068" dirty="0">
                 <a:solidFill>
                   <a:srgbClr val="FF3131"/>
                 </a:solidFill>
@@ -4179,6 +4180,96 @@
 </p:sld>
 </file>
 
+<file path=ppt/slides/slide3.xml><?xml version="1.0" encoding="utf-8"?>
+<p:sld xmlns:a="http://schemas.openxmlformats.org/drawingml/2006/main" xmlns:r="http://schemas.openxmlformats.org/officeDocument/2006/relationships" xmlns:p="http://schemas.openxmlformats.org/presentationml/2006/main">
+  <p:cSld>
+    <p:spTree>
+      <p:nvGrpSpPr>
+        <p:cNvPr id="1" name=""/>
+        <p:cNvGrpSpPr/>
+        <p:nvPr/>
+      </p:nvGrpSpPr>
+      <p:grpSpPr>
+        <a:xfrm>
+          <a:off x="0" y="0"/>
+          <a:ext cx="0" cy="0"/>
+          <a:chOff x="0" y="0"/>
+          <a:chExt cx="0" cy="0"/>
+        </a:xfrm>
+      </p:grpSpPr>
+      <p:sp>
+        <p:nvSpPr>
+          <p:cNvPr id="3" name="TextBox 2">
+            <a:extLst>
+              <a:ext uri="{FF2B5EF4-FFF2-40B4-BE49-F238E27FC236}">
+                <a16:creationId xmlns:a16="http://schemas.microsoft.com/office/drawing/2014/main" id="{74501113-886A-C429-F672-417AC9867AA3}"/>
+              </a:ext>
+            </a:extLst>
+          </p:cNvPr>
+          <p:cNvSpPr txBox="1"/>
+          <p:nvPr/>
+        </p:nvSpPr>
+        <p:spPr>
+          <a:xfrm>
+            <a:off x="1981200" y="3390900"/>
+            <a:ext cx="11734800" cy="1569660"/>
+          </a:xfrm>
+          <a:prstGeom prst="rect">
+            <a:avLst/>
+          </a:prstGeom>
+          <a:noFill/>
+        </p:spPr>
+        <p:txBody>
+          <a:bodyPr wrap="square">
+            <a:spAutoFit/>
+          </a:bodyPr>
+          <a:lstStyle/>
+          <a:p>
+            <a:endParaRPr lang="en-US" sz="3200" dirty="0"/>
+          </a:p>
+          <a:p>
+            <a:r>
+              <a:rPr lang="en-US" sz="3200" dirty="0"/>
+              <a:t>Repo link:</a:t>
+            </a:r>
+          </a:p>
+          <a:p>
+            <a:r>
+              <a:rPr lang="en-US" sz="3200" dirty="0"/>
+              <a:t>https://</a:t>
+            </a:r>
+            <a:r>
+              <a:rPr lang="en-US" sz="3200" dirty="0" err="1"/>
+              <a:t>github.com</a:t>
+            </a:r>
+            <a:r>
+              <a:rPr lang="en-US" sz="3200" dirty="0"/>
+              <a:t>/ronidas39/</a:t>
+            </a:r>
+            <a:r>
+              <a:rPr lang="en-US" sz="3200" dirty="0" err="1"/>
+              <a:t>jira_automation</a:t>
+            </a:r>
+            <a:r>
+              <a:rPr lang="en-US" sz="3200" dirty="0"/>
+              <a:t>/tree/main/tutorial16</a:t>
+            </a:r>
+          </a:p>
+        </p:txBody>
+      </p:sp>
+    </p:spTree>
+    <p:extLst>
+      <p:ext uri="{BB962C8B-B14F-4D97-AF65-F5344CB8AC3E}">
+        <p14:creationId xmlns:p14="http://schemas.microsoft.com/office/powerpoint/2010/main" val="1794671968"/>
+      </p:ext>
+    </p:extLst>
+  </p:cSld>
+  <p:clrMapOvr>
+    <a:masterClrMapping/>
+  </p:clrMapOvr>
+</p:sld>
+</file>
+
 <file path=ppt/theme/theme1.xml><?xml version="1.0" encoding="utf-8"?>
 <a:theme xmlns:a="http://schemas.openxmlformats.org/drawingml/2006/main" name="Office Theme">
   <a:themeElements>
